--- a/Modello per la stima della qualità del sonno.pptx
+++ b/Modello per la stima della qualità del sonno.pptx
@@ -278,7 +278,7 @@
           <a:p>
             <a:fld id="{621BC7B1-8772-4181-BB39-FDE2ACFFE511}" type="datetimeFigureOut">
               <a:rPr lang="it-IT" smtClean="0"/>
-              <a:t>01/07/2024</a:t>
+              <a:t>03/07/2024</a:t>
             </a:fld>
             <a:endParaRPr lang="it-IT"/>
           </a:p>
@@ -476,7 +476,7 @@
           <a:p>
             <a:fld id="{621BC7B1-8772-4181-BB39-FDE2ACFFE511}" type="datetimeFigureOut">
               <a:rPr lang="it-IT" smtClean="0"/>
-              <a:t>01/07/2024</a:t>
+              <a:t>03/07/2024</a:t>
             </a:fld>
             <a:endParaRPr lang="it-IT"/>
           </a:p>
@@ -684,7 +684,7 @@
           <a:p>
             <a:fld id="{621BC7B1-8772-4181-BB39-FDE2ACFFE511}" type="datetimeFigureOut">
               <a:rPr lang="it-IT" smtClean="0"/>
-              <a:t>01/07/2024</a:t>
+              <a:t>03/07/2024</a:t>
             </a:fld>
             <a:endParaRPr lang="it-IT"/>
           </a:p>
@@ -882,7 +882,7 @@
           <a:p>
             <a:fld id="{621BC7B1-8772-4181-BB39-FDE2ACFFE511}" type="datetimeFigureOut">
               <a:rPr lang="it-IT" smtClean="0"/>
-              <a:t>01/07/2024</a:t>
+              <a:t>03/07/2024</a:t>
             </a:fld>
             <a:endParaRPr lang="it-IT"/>
           </a:p>
@@ -1157,7 +1157,7 @@
           <a:p>
             <a:fld id="{621BC7B1-8772-4181-BB39-FDE2ACFFE511}" type="datetimeFigureOut">
               <a:rPr lang="it-IT" smtClean="0"/>
-              <a:t>01/07/2024</a:t>
+              <a:t>03/07/2024</a:t>
             </a:fld>
             <a:endParaRPr lang="it-IT"/>
           </a:p>
@@ -1422,7 +1422,7 @@
           <a:p>
             <a:fld id="{621BC7B1-8772-4181-BB39-FDE2ACFFE511}" type="datetimeFigureOut">
               <a:rPr lang="it-IT" smtClean="0"/>
-              <a:t>01/07/2024</a:t>
+              <a:t>03/07/2024</a:t>
             </a:fld>
             <a:endParaRPr lang="it-IT"/>
           </a:p>
@@ -1834,7 +1834,7 @@
           <a:p>
             <a:fld id="{621BC7B1-8772-4181-BB39-FDE2ACFFE511}" type="datetimeFigureOut">
               <a:rPr lang="it-IT" smtClean="0"/>
-              <a:t>01/07/2024</a:t>
+              <a:t>03/07/2024</a:t>
             </a:fld>
             <a:endParaRPr lang="it-IT"/>
           </a:p>
@@ -1975,7 +1975,7 @@
           <a:p>
             <a:fld id="{621BC7B1-8772-4181-BB39-FDE2ACFFE511}" type="datetimeFigureOut">
               <a:rPr lang="it-IT" smtClean="0"/>
-              <a:t>01/07/2024</a:t>
+              <a:t>03/07/2024</a:t>
             </a:fld>
             <a:endParaRPr lang="it-IT"/>
           </a:p>
@@ -2088,7 +2088,7 @@
           <a:p>
             <a:fld id="{621BC7B1-8772-4181-BB39-FDE2ACFFE511}" type="datetimeFigureOut">
               <a:rPr lang="it-IT" smtClean="0"/>
-              <a:t>01/07/2024</a:t>
+              <a:t>03/07/2024</a:t>
             </a:fld>
             <a:endParaRPr lang="it-IT"/>
           </a:p>
@@ -2399,7 +2399,7 @@
           <a:p>
             <a:fld id="{621BC7B1-8772-4181-BB39-FDE2ACFFE511}" type="datetimeFigureOut">
               <a:rPr lang="it-IT" smtClean="0"/>
-              <a:t>01/07/2024</a:t>
+              <a:t>03/07/2024</a:t>
             </a:fld>
             <a:endParaRPr lang="it-IT"/>
           </a:p>
@@ -2687,7 +2687,7 @@
           <a:p>
             <a:fld id="{621BC7B1-8772-4181-BB39-FDE2ACFFE511}" type="datetimeFigureOut">
               <a:rPr lang="it-IT" smtClean="0"/>
-              <a:t>01/07/2024</a:t>
+              <a:t>03/07/2024</a:t>
             </a:fld>
             <a:endParaRPr lang="it-IT"/>
           </a:p>
@@ -2928,7 +2928,7 @@
           <a:p>
             <a:fld id="{621BC7B1-8772-4181-BB39-FDE2ACFFE511}" type="datetimeFigureOut">
               <a:rPr lang="it-IT" smtClean="0"/>
-              <a:t>01/07/2024</a:t>
+              <a:t>03/07/2024</a:t>
             </a:fld>
             <a:endParaRPr lang="it-IT"/>
           </a:p>
@@ -3375,47 +3375,7 @@
           <a:p>
             <a:r>
               <a:rPr lang="it-IT" b="1" dirty="0"/>
-              <a:t>Modello per la stima della qualità del sonno in dispositivi </a:t>
-            </a:r>
-            <a:r>
-              <a:rPr lang="it-IT" b="1" dirty="0" err="1"/>
-              <a:t>wareable</a:t>
-            </a:r>
-            <a:endParaRPr lang="it-IT" b="1" dirty="0"/>
-          </a:p>
-        </p:txBody>
-      </p:sp>
-      <p:sp>
-        <p:nvSpPr>
-          <p:cNvPr id="3" name="Sottotitolo 2">
-            <a:extLst>
-              <a:ext uri="{FF2B5EF4-FFF2-40B4-BE49-F238E27FC236}">
-                <a16:creationId xmlns:a16="http://schemas.microsoft.com/office/drawing/2014/main" id="{ABB7FF8F-1A20-483C-6A53-96EB49E42D91}"/>
-              </a:ext>
-            </a:extLst>
-          </p:cNvPr>
-          <p:cNvSpPr>
-            <a:spLocks noGrp="1"/>
-          </p:cNvSpPr>
-          <p:nvPr>
-            <p:ph type="subTitle" idx="1"/>
-          </p:nvPr>
-        </p:nvSpPr>
-        <p:spPr>
-          <a:xfrm>
-            <a:off x="1524000" y="4160938"/>
-            <a:ext cx="9144000" cy="1096861"/>
-          </a:xfrm>
-        </p:spPr>
-        <p:txBody>
-          <a:bodyPr>
-            <a:normAutofit/>
-          </a:bodyPr>
-          <a:lstStyle/>
-          <a:p>
-            <a:r>
-              <a:rPr lang="it-IT" sz="2000" dirty="0"/>
-              <a:t> </a:t>
+              <a:t>Modello per la stima della qualità del sonno in dispositivi wearable</a:t>
             </a:r>
           </a:p>
         </p:txBody>
@@ -9221,9 +9181,12 @@
 </file>
 
 <file path=customXml/item1.xml><?xml version="1.0" encoding="utf-8"?>
-<p:properties xmlns:p="http://schemas.microsoft.com/office/2006/metadata/properties" xmlns:xsi="http://www.w3.org/2001/XMLSchema-instance" xmlns:pc="http://schemas.microsoft.com/office/infopath/2007/PartnerControls">
-  <documentManagement/>
-</p:properties>
+<?mso-contentType ?>
+<FormTemplates xmlns="http://schemas.microsoft.com/sharepoint/v3/contenttype/forms">
+  <Display>DocumentLibraryForm</Display>
+  <Edit>DocumentLibraryForm</Edit>
+  <New>DocumentLibraryForm</New>
+</FormTemplates>
 </file>
 
 <file path=customXml/item2.xml><?xml version="1.0" encoding="utf-8"?>
@@ -9428,27 +9391,15 @@
 </file>
 
 <file path=customXml/item3.xml><?xml version="1.0" encoding="utf-8"?>
-<?mso-contentType ?>
-<FormTemplates xmlns="http://schemas.microsoft.com/sharepoint/v3/contenttype/forms">
-  <Display>DocumentLibraryForm</Display>
-  <Edit>DocumentLibraryForm</Edit>
-  <New>DocumentLibraryForm</New>
-</FormTemplates>
+<p:properties xmlns:p="http://schemas.microsoft.com/office/2006/metadata/properties" xmlns:xsi="http://www.w3.org/2001/XMLSchema-instance" xmlns:pc="http://schemas.microsoft.com/office/infopath/2007/PartnerControls">
+  <documentManagement/>
+</p:properties>
 </file>
 
 <file path=customXml/itemProps1.xml><?xml version="1.0" encoding="utf-8"?>
-<ds:datastoreItem xmlns:ds="http://schemas.openxmlformats.org/officeDocument/2006/customXml" ds:itemID="{5788A89C-BFAB-44D3-A490-ADC0E88E45E0}">
+<ds:datastoreItem xmlns:ds="http://schemas.openxmlformats.org/officeDocument/2006/customXml" ds:itemID="{448013CA-DA61-45BF-93CE-16B3589656CA}">
   <ds:schemaRefs>
-    <ds:schemaRef ds:uri="http://purl.org/dc/dcmitype/"/>
-    <ds:schemaRef ds:uri="http://schemas.openxmlformats.org/package/2006/metadata/core-properties"/>
-    <ds:schemaRef ds:uri="http://schemas.microsoft.com/office/2006/documentManagement/types"/>
-    <ds:schemaRef ds:uri="http://purl.org/dc/elements/1.1/"/>
-    <ds:schemaRef ds:uri="http://schemas.microsoft.com/office/2006/metadata/properties"/>
-    <ds:schemaRef ds:uri="b7d7a78c-ebd1-4b8e-b94b-7acbb09560d1"/>
-    <ds:schemaRef ds:uri="http://schemas.microsoft.com/office/infopath/2007/PartnerControls"/>
-    <ds:schemaRef ds:uri="c8d8867b-9144-4820-a959-3365945bb6b6"/>
-    <ds:schemaRef ds:uri="http://www.w3.org/XML/1998/namespace"/>
-    <ds:schemaRef ds:uri="http://purl.org/dc/terms/"/>
+    <ds:schemaRef ds:uri="http://schemas.microsoft.com/sharepoint/v3/contenttype/forms"/>
   </ds:schemaRefs>
 </ds:datastoreItem>
 </file>
@@ -9473,9 +9424,18 @@
 </file>
 
 <file path=customXml/itemProps3.xml><?xml version="1.0" encoding="utf-8"?>
-<ds:datastoreItem xmlns:ds="http://schemas.openxmlformats.org/officeDocument/2006/customXml" ds:itemID="{448013CA-DA61-45BF-93CE-16B3589656CA}">
+<ds:datastoreItem xmlns:ds="http://schemas.openxmlformats.org/officeDocument/2006/customXml" ds:itemID="{5788A89C-BFAB-44D3-A490-ADC0E88E45E0}">
   <ds:schemaRefs>
-    <ds:schemaRef ds:uri="http://schemas.microsoft.com/sharepoint/v3/contenttype/forms"/>
+    <ds:schemaRef ds:uri="http://purl.org/dc/dcmitype/"/>
+    <ds:schemaRef ds:uri="http://schemas.openxmlformats.org/package/2006/metadata/core-properties"/>
+    <ds:schemaRef ds:uri="http://schemas.microsoft.com/office/2006/documentManagement/types"/>
+    <ds:schemaRef ds:uri="http://purl.org/dc/elements/1.1/"/>
+    <ds:schemaRef ds:uri="http://schemas.microsoft.com/office/2006/metadata/properties"/>
+    <ds:schemaRef ds:uri="b7d7a78c-ebd1-4b8e-b94b-7acbb09560d1"/>
+    <ds:schemaRef ds:uri="http://schemas.microsoft.com/office/infopath/2007/PartnerControls"/>
+    <ds:schemaRef ds:uri="c8d8867b-9144-4820-a959-3365945bb6b6"/>
+    <ds:schemaRef ds:uri="http://www.w3.org/XML/1998/namespace"/>
+    <ds:schemaRef ds:uri="http://purl.org/dc/terms/"/>
   </ds:schemaRefs>
 </ds:datastoreItem>
 </file>